--- a/Лекции/Предиктивная аналитика в ИБ.pptx
+++ b/Лекции/Предиктивная аналитика в ИБ.pptx
@@ -21258,7 +21258,7 @@
           <a:p>
             <a:fld id="{701BF306-9528-46AE-9DD1-D556234069E0}" type="datetimeFigureOut">
               <a:rPr lang="ru-RU" smtClean="0"/>
-              <a:t>21.12.2021</a:t>
+              <a:t>22.12.2021</a:t>
             </a:fld>
             <a:endParaRPr lang="ru-RU"/>
           </a:p>
@@ -24256,7 +24256,7 @@
           <a:p>
             <a:fld id="{B90F66B1-3ECE-4435-B76D-2D79F748EBB8}" type="datetime1">
               <a:rPr lang="ru-RU" smtClean="0"/>
-              <a:t>21.12.2021</a:t>
+              <a:t>22.12.2021</a:t>
             </a:fld>
             <a:endParaRPr lang="ru-RU"/>
           </a:p>
@@ -24424,7 +24424,7 @@
           <a:p>
             <a:fld id="{A193AF51-5556-441C-B1F1-5CEE30BCC4E8}" type="datetime1">
               <a:rPr lang="ru-RU" smtClean="0"/>
-              <a:t>21.12.2021</a:t>
+              <a:t>22.12.2021</a:t>
             </a:fld>
             <a:endParaRPr lang="ru-RU"/>
           </a:p>
@@ -24602,7 +24602,7 @@
           <a:p>
             <a:fld id="{B3CF5847-F99F-495F-9F0B-D8EB48EE6508}" type="datetime1">
               <a:rPr lang="ru-RU" smtClean="0"/>
-              <a:t>21.12.2021</a:t>
+              <a:t>22.12.2021</a:t>
             </a:fld>
             <a:endParaRPr lang="ru-RU"/>
           </a:p>
@@ -24770,7 +24770,7 @@
           <a:p>
             <a:fld id="{2274E3A6-728B-45BA-B79D-2CDE59584B9E}" type="datetime1">
               <a:rPr lang="ru-RU" smtClean="0"/>
-              <a:t>21.12.2021</a:t>
+              <a:t>22.12.2021</a:t>
             </a:fld>
             <a:endParaRPr lang="ru-RU"/>
           </a:p>
@@ -25015,7 +25015,7 @@
           <a:p>
             <a:fld id="{0C102AAA-ECCD-4D7C-9C3D-1956D82D97DD}" type="datetime1">
               <a:rPr lang="ru-RU" smtClean="0"/>
-              <a:t>21.12.2021</a:t>
+              <a:t>22.12.2021</a:t>
             </a:fld>
             <a:endParaRPr lang="ru-RU"/>
           </a:p>
@@ -25244,7 +25244,7 @@
           <a:p>
             <a:fld id="{69DD47AC-7955-4750-9BC1-A10C15F760A4}" type="datetime1">
               <a:rPr lang="ru-RU" smtClean="0"/>
-              <a:t>21.12.2021</a:t>
+              <a:t>22.12.2021</a:t>
             </a:fld>
             <a:endParaRPr lang="ru-RU"/>
           </a:p>
@@ -25608,7 +25608,7 @@
           <a:p>
             <a:fld id="{ADBB79D3-8A41-4133-A79D-787E6406B490}" type="datetime1">
               <a:rPr lang="ru-RU" smtClean="0"/>
-              <a:t>21.12.2021</a:t>
+              <a:t>22.12.2021</a:t>
             </a:fld>
             <a:endParaRPr lang="ru-RU"/>
           </a:p>
@@ -25725,7 +25725,7 @@
           <a:p>
             <a:fld id="{7438FBB9-4964-4237-A6D2-1FBBE0A5526D}" type="datetime1">
               <a:rPr lang="ru-RU" smtClean="0"/>
-              <a:t>21.12.2021</a:t>
+              <a:t>22.12.2021</a:t>
             </a:fld>
             <a:endParaRPr lang="ru-RU"/>
           </a:p>
@@ -25820,7 +25820,7 @@
           <a:p>
             <a:fld id="{01B44B07-0648-4511-A5A4-EBA70179B1BA}" type="datetime1">
               <a:rPr lang="ru-RU" smtClean="0"/>
-              <a:t>21.12.2021</a:t>
+              <a:t>22.12.2021</a:t>
             </a:fld>
             <a:endParaRPr lang="ru-RU"/>
           </a:p>
@@ -26095,7 +26095,7 @@
           <a:p>
             <a:fld id="{916EB8A8-F212-4F60-93DD-CD10A67165FB}" type="datetime1">
               <a:rPr lang="ru-RU" smtClean="0"/>
-              <a:t>21.12.2021</a:t>
+              <a:t>22.12.2021</a:t>
             </a:fld>
             <a:endParaRPr lang="ru-RU"/>
           </a:p>
@@ -26347,7 +26347,7 @@
           <a:p>
             <a:fld id="{559E0B89-FED9-4380-9CDB-F54CE04C8766}" type="datetime1">
               <a:rPr lang="ru-RU" smtClean="0"/>
-              <a:t>21.12.2021</a:t>
+              <a:t>22.12.2021</a:t>
             </a:fld>
             <a:endParaRPr lang="ru-RU"/>
           </a:p>
@@ -26558,7 +26558,7 @@
           <a:p>
             <a:fld id="{DEB872CF-94EF-4DBD-B123-E9A35E66A51A}" type="datetime1">
               <a:rPr lang="ru-RU" smtClean="0"/>
-              <a:t>21.12.2021</a:t>
+              <a:t>22.12.2021</a:t>
             </a:fld>
             <a:endParaRPr lang="ru-RU"/>
           </a:p>
@@ -28057,8 +28057,8 @@
           </a:prstGeom>
         </p:spPr>
       </p:pic>
-      <mc:AlternateContent xmlns:mc="http://schemas.openxmlformats.org/markup-compatibility/2006">
-        <mc:Choice xmlns:a14="http://schemas.microsoft.com/office/drawing/2010/main" Requires="a14">
+      <mc:AlternateContent xmlns:mc="http://schemas.openxmlformats.org/markup-compatibility/2006" xmlns:a14="http://schemas.microsoft.com/office/drawing/2010/main">
+        <mc:Choice Requires="a14">
           <p:sp>
             <p:nvSpPr>
               <p:cNvPr id="13" name="Объект 12">
@@ -29002,7 +29002,7 @@
             </p:txBody>
           </p:sp>
         </mc:Choice>
-        <mc:Fallback>
+        <mc:Fallback xmlns="">
           <p:sp>
             <p:nvSpPr>
               <p:cNvPr id="13" name="Объект 12">
@@ -29233,9 +29233,26 @@
         </p:spPr>
         <p:txBody>
           <a:bodyPr>
-            <a:normAutofit/>
+            <a:normAutofit lnSpcReduction="10000"/>
           </a:bodyPr>
           <a:lstStyle/>
+          <a:p>
+            <a:pPr marL="0" indent="0">
+              <a:buNone/>
+            </a:pPr>
+            <a:r>
+              <a:rPr lang="ru-RU" sz="1900" dirty="0"/>
+              <a:t>Проблемы рекуррентных сетей: градиентный взрыв и исчезновение градиента, </a:t>
+            </a:r>
+            <a:r>
+              <a:rPr lang="en-US" sz="1900" dirty="0"/>
+              <a:t>LSTM </a:t>
+            </a:r>
+            <a:r>
+              <a:rPr lang="ru-RU" sz="1900" dirty="0"/>
+              <a:t>их решает.</a:t>
+            </a:r>
+          </a:p>
           <a:p>
             <a:pPr marL="0" indent="0">
               <a:buNone/>
@@ -30938,8 +30955,8 @@
             </p:sp>
           </mc:Fallback>
         </mc:AlternateContent>
-        <mc:AlternateContent xmlns:mc="http://schemas.openxmlformats.org/markup-compatibility/2006">
-          <mc:Choice xmlns:a14="http://schemas.microsoft.com/office/drawing/2010/main" Requires="a14">
+        <mc:AlternateContent xmlns:mc="http://schemas.openxmlformats.org/markup-compatibility/2006" xmlns:a14="http://schemas.microsoft.com/office/drawing/2010/main">
+          <mc:Choice Requires="a14">
             <p:sp>
               <p:nvSpPr>
                 <p:cNvPr id="10" name="TextBox 9">
@@ -31211,7 +31228,7 @@
               </p:txBody>
             </p:sp>
           </mc:Choice>
-          <mc:Fallback>
+          <mc:Fallback xmlns="">
             <p:sp>
               <p:nvSpPr>
                 <p:cNvPr id="10" name="TextBox 9">
@@ -34929,7 +34946,15 @@
             </a:r>
             <a:r>
               <a:rPr lang="ru-RU" sz="2000" dirty="0"/>
-              <a:t>не выявляет неизвестные аномалии</a:t>
+              <a:t>не выявляет неизвестные аномалии (</a:t>
+            </a:r>
+            <a:r>
+              <a:rPr lang="en-US" sz="2000" dirty="0"/>
+              <a:t>0-day</a:t>
+            </a:r>
+            <a:r>
+              <a:rPr lang="ru-RU" sz="2000" dirty="0"/>
+              <a:t>)</a:t>
             </a:r>
           </a:p>
           <a:p>
@@ -35286,36 +35311,6 @@
           </a:p>
         </p:txBody>
       </p:sp>
-      <p:pic>
-        <p:nvPicPr>
-          <p:cNvPr id="6" name="Рисунок 5">
-            <a:extLst>
-              <a:ext uri="{FF2B5EF4-FFF2-40B4-BE49-F238E27FC236}">
-                <a16:creationId xmlns:a16="http://schemas.microsoft.com/office/drawing/2014/main" id="{F8CC9E06-F5FE-4600-8A91-FCAE4F2356D1}"/>
-              </a:ext>
-            </a:extLst>
-          </p:cNvPr>
-          <p:cNvPicPr>
-            <a:picLocks noChangeAspect="1"/>
-          </p:cNvPicPr>
-          <p:nvPr/>
-        </p:nvPicPr>
-        <p:blipFill>
-          <a:blip r:embed="rId4"/>
-          <a:stretch>
-            <a:fillRect/>
-          </a:stretch>
-        </p:blipFill>
-        <p:spPr>
-          <a:xfrm>
-            <a:off x="6257925" y="2289969"/>
-            <a:ext cx="5562600" cy="3467100"/>
-          </a:xfrm>
-          <a:prstGeom prst="rect">
-            <a:avLst/>
-          </a:prstGeom>
-        </p:spPr>
-      </p:pic>
       <p:sp>
         <p:nvSpPr>
           <p:cNvPr id="8" name="TextBox 7">
@@ -35351,6 +35346,36 @@
           </a:p>
         </p:txBody>
       </p:sp>
+      <p:pic>
+        <p:nvPicPr>
+          <p:cNvPr id="4" name="Рисунок 3">
+            <a:extLst>
+              <a:ext uri="{FF2B5EF4-FFF2-40B4-BE49-F238E27FC236}">
+                <a16:creationId xmlns:a16="http://schemas.microsoft.com/office/drawing/2014/main" id="{B6A64275-3F9F-43DF-B4DA-F25FBFAD2BAA}"/>
+              </a:ext>
+            </a:extLst>
+          </p:cNvPr>
+          <p:cNvPicPr>
+            <a:picLocks noChangeAspect="1"/>
+          </p:cNvPicPr>
+          <p:nvPr/>
+        </p:nvPicPr>
+        <p:blipFill>
+          <a:blip r:embed="rId4"/>
+          <a:stretch>
+            <a:fillRect/>
+          </a:stretch>
+        </p:blipFill>
+        <p:spPr>
+          <a:xfrm>
+            <a:off x="6222077" y="2370119"/>
+            <a:ext cx="5562600" cy="3467100"/>
+          </a:xfrm>
+          <a:prstGeom prst="rect">
+            <a:avLst/>
+          </a:prstGeom>
+        </p:spPr>
+      </p:pic>
     </p:spTree>
     <p:extLst>
       <p:ext uri="{BB962C8B-B14F-4D97-AF65-F5344CB8AC3E}">
@@ -35510,7 +35535,7 @@
           <a:p>
             <a:r>
               <a:rPr lang="ru-RU" sz="2000" dirty="0"/>
-              <a:t>Некоторые индикаторы имеют тенденцию к постоянному изменению (например, уменьшение места на винчестере), будущий инцидент можно было бы выявить заранее</a:t>
+              <a:t>Некоторые индикаторы имеют тенденцию к постоянному изменению (например, уменьшение места на жестком диске), будущий инцидент можно было бы выявить заранее</a:t>
             </a:r>
           </a:p>
           <a:p>
@@ -36127,9 +36152,12 @@
             </a:r>
             <a:r>
               <a:rPr lang="ru-RU" sz="2000" dirty="0"/>
-              <a:t>возможно выявление дополнительных признаков или данных для обучения моделей выявления аномалий</a:t>
-            </a:r>
-            <a:endParaRPr lang="ru-RU" dirty="0"/>
+              <a:t>возможно выявление дополнительных признаков или данных для обучения моделей </a:t>
+            </a:r>
+            <a:r>
+              <a:rPr lang="ru-RU" sz="2000"/>
+              <a:t>выявления аномалий</a:t>
+            </a:r>
           </a:p>
         </p:txBody>
       </p:sp>

--- a/Лекции/Предиктивная аналитика в ИБ.pptx
+++ b/Лекции/Предиктивная аналитика в ИБ.pptx
@@ -21258,7 +21258,7 @@
           <a:p>
             <a:fld id="{701BF306-9528-46AE-9DD1-D556234069E0}" type="datetimeFigureOut">
               <a:rPr lang="ru-RU" smtClean="0"/>
-              <a:t>22.12.2021</a:t>
+              <a:t>24.12.2021</a:t>
             </a:fld>
             <a:endParaRPr lang="ru-RU"/>
           </a:p>
@@ -24256,7 +24256,7 @@
           <a:p>
             <a:fld id="{B90F66B1-3ECE-4435-B76D-2D79F748EBB8}" type="datetime1">
               <a:rPr lang="ru-RU" smtClean="0"/>
-              <a:t>22.12.2021</a:t>
+              <a:t>24.12.2021</a:t>
             </a:fld>
             <a:endParaRPr lang="ru-RU"/>
           </a:p>
@@ -24424,7 +24424,7 @@
           <a:p>
             <a:fld id="{A193AF51-5556-441C-B1F1-5CEE30BCC4E8}" type="datetime1">
               <a:rPr lang="ru-RU" smtClean="0"/>
-              <a:t>22.12.2021</a:t>
+              <a:t>24.12.2021</a:t>
             </a:fld>
             <a:endParaRPr lang="ru-RU"/>
           </a:p>
@@ -24602,7 +24602,7 @@
           <a:p>
             <a:fld id="{B3CF5847-F99F-495F-9F0B-D8EB48EE6508}" type="datetime1">
               <a:rPr lang="ru-RU" smtClean="0"/>
-              <a:t>22.12.2021</a:t>
+              <a:t>24.12.2021</a:t>
             </a:fld>
             <a:endParaRPr lang="ru-RU"/>
           </a:p>
@@ -24770,7 +24770,7 @@
           <a:p>
             <a:fld id="{2274E3A6-728B-45BA-B79D-2CDE59584B9E}" type="datetime1">
               <a:rPr lang="ru-RU" smtClean="0"/>
-              <a:t>22.12.2021</a:t>
+              <a:t>24.12.2021</a:t>
             </a:fld>
             <a:endParaRPr lang="ru-RU"/>
           </a:p>
@@ -25015,7 +25015,7 @@
           <a:p>
             <a:fld id="{0C102AAA-ECCD-4D7C-9C3D-1956D82D97DD}" type="datetime1">
               <a:rPr lang="ru-RU" smtClean="0"/>
-              <a:t>22.12.2021</a:t>
+              <a:t>24.12.2021</a:t>
             </a:fld>
             <a:endParaRPr lang="ru-RU"/>
           </a:p>
@@ -25244,7 +25244,7 @@
           <a:p>
             <a:fld id="{69DD47AC-7955-4750-9BC1-A10C15F760A4}" type="datetime1">
               <a:rPr lang="ru-RU" smtClean="0"/>
-              <a:t>22.12.2021</a:t>
+              <a:t>24.12.2021</a:t>
             </a:fld>
             <a:endParaRPr lang="ru-RU"/>
           </a:p>
@@ -25608,7 +25608,7 @@
           <a:p>
             <a:fld id="{ADBB79D3-8A41-4133-A79D-787E6406B490}" type="datetime1">
               <a:rPr lang="ru-RU" smtClean="0"/>
-              <a:t>22.12.2021</a:t>
+              <a:t>24.12.2021</a:t>
             </a:fld>
             <a:endParaRPr lang="ru-RU"/>
           </a:p>
@@ -25725,7 +25725,7 @@
           <a:p>
             <a:fld id="{7438FBB9-4964-4237-A6D2-1FBBE0A5526D}" type="datetime1">
               <a:rPr lang="ru-RU" smtClean="0"/>
-              <a:t>22.12.2021</a:t>
+              <a:t>24.12.2021</a:t>
             </a:fld>
             <a:endParaRPr lang="ru-RU"/>
           </a:p>
@@ -25820,7 +25820,7 @@
           <a:p>
             <a:fld id="{01B44B07-0648-4511-A5A4-EBA70179B1BA}" type="datetime1">
               <a:rPr lang="ru-RU" smtClean="0"/>
-              <a:t>22.12.2021</a:t>
+              <a:t>24.12.2021</a:t>
             </a:fld>
             <a:endParaRPr lang="ru-RU"/>
           </a:p>
@@ -26095,7 +26095,7 @@
           <a:p>
             <a:fld id="{916EB8A8-F212-4F60-93DD-CD10A67165FB}" type="datetime1">
               <a:rPr lang="ru-RU" smtClean="0"/>
-              <a:t>22.12.2021</a:t>
+              <a:t>24.12.2021</a:t>
             </a:fld>
             <a:endParaRPr lang="ru-RU"/>
           </a:p>
@@ -26347,7 +26347,7 @@
           <a:p>
             <a:fld id="{559E0B89-FED9-4380-9CDB-F54CE04C8766}" type="datetime1">
               <a:rPr lang="ru-RU" smtClean="0"/>
-              <a:t>22.12.2021</a:t>
+              <a:t>24.12.2021</a:t>
             </a:fld>
             <a:endParaRPr lang="ru-RU"/>
           </a:p>
@@ -26558,7 +26558,7 @@
           <a:p>
             <a:fld id="{DEB872CF-94EF-4DBD-B123-E9A35E66A51A}" type="datetime1">
               <a:rPr lang="ru-RU" smtClean="0"/>
-              <a:t>22.12.2021</a:t>
+              <a:t>24.12.2021</a:t>
             </a:fld>
             <a:endParaRPr lang="ru-RU"/>
           </a:p>
@@ -26986,7 +26986,7 @@
         </p:blipFill>
         <p:spPr>
           <a:xfrm>
-            <a:off x="92145" y="0"/>
+            <a:off x="-101493" y="136525"/>
             <a:ext cx="12200338" cy="6858000"/>
           </a:xfrm>
           <a:prstGeom prst="rect">
@@ -27055,75 +27055,6 @@
                 <a:schemeClr val="bg1"/>
               </a:solidFill>
               <a:latin typeface="Arial" panose="020B0604020202020204" pitchFamily="34" charset="0"/>
-              <a:cs typeface="Arial" panose="020B0604020202020204" pitchFamily="34" charset="0"/>
-            </a:endParaRPr>
-          </a:p>
-        </p:txBody>
-      </p:sp>
-      <p:sp>
-        <p:nvSpPr>
-          <p:cNvPr id="7" name="Прямоугольник 6"/>
-          <p:cNvSpPr/>
-          <p:nvPr/>
-        </p:nvSpPr>
-        <p:spPr>
-          <a:xfrm>
-            <a:off x="952052" y="5484010"/>
-            <a:ext cx="633507" cy="923330"/>
-          </a:xfrm>
-          <a:prstGeom prst="rect">
-            <a:avLst/>
-          </a:prstGeom>
-        </p:spPr>
-        <p:txBody>
-          <a:bodyPr wrap="none">
-            <a:spAutoFit/>
-          </a:bodyPr>
-          <a:lstStyle/>
-          <a:p>
-            <a:r>
-              <a:rPr lang="ru-RU" dirty="0">
-                <a:solidFill>
-                  <a:schemeClr val="bg1"/>
-                </a:solidFill>
-                <a:latin typeface="Arial" panose="020B0604020202020204" pitchFamily="34" charset="0"/>
-                <a:ea typeface="Tahoma" panose="020B0604030504040204" pitchFamily="34" charset="0"/>
-                <a:cs typeface="Arial" panose="020B0604020202020204" pitchFamily="34" charset="0"/>
-              </a:rPr>
-              <a:t>***</a:t>
-            </a:r>
-          </a:p>
-          <a:p>
-            <a:r>
-              <a:rPr lang="ru-RU" dirty="0">
-                <a:solidFill>
-                  <a:schemeClr val="bg1"/>
-                </a:solidFill>
-                <a:latin typeface="Arial" panose="020B0604020202020204" pitchFamily="34" charset="0"/>
-                <a:ea typeface="Tahoma" panose="020B0604030504040204" pitchFamily="34" charset="0"/>
-                <a:cs typeface="Arial" panose="020B0604020202020204" pitchFamily="34" charset="0"/>
-              </a:rPr>
-              <a:t>****</a:t>
-            </a:r>
-          </a:p>
-          <a:p>
-            <a:r>
-              <a:rPr lang="ru-RU" dirty="0">
-                <a:solidFill>
-                  <a:schemeClr val="bg1"/>
-                </a:solidFill>
-                <a:latin typeface="Arial" panose="020B0604020202020204" pitchFamily="34" charset="0"/>
-                <a:ea typeface="Tahoma" panose="020B0604030504040204" pitchFamily="34" charset="0"/>
-                <a:cs typeface="Arial" panose="020B0604020202020204" pitchFamily="34" charset="0"/>
-              </a:rPr>
-              <a:t>*****</a:t>
-            </a:r>
-            <a:endParaRPr lang="ru-RU" sz="2800" dirty="0">
-              <a:solidFill>
-                <a:schemeClr val="bg1"/>
-              </a:solidFill>
-              <a:latin typeface="Arial" panose="020B0604020202020204" pitchFamily="34" charset="0"/>
-              <a:ea typeface="Tahoma" panose="020B0604030504040204" pitchFamily="34" charset="0"/>
               <a:cs typeface="Arial" panose="020B0604020202020204" pitchFamily="34" charset="0"/>
             </a:endParaRPr>
           </a:p>
@@ -27190,6 +27121,171 @@
               <a:t>1</a:t>
             </a:fld>
             <a:endParaRPr lang="ru-RU"/>
+          </a:p>
+        </p:txBody>
+      </p:sp>
+      <p:sp>
+        <p:nvSpPr>
+          <p:cNvPr id="9" name="Прямоугольник 8">
+            <a:extLst>
+              <a:ext uri="{FF2B5EF4-FFF2-40B4-BE49-F238E27FC236}">
+                <a16:creationId xmlns:a16="http://schemas.microsoft.com/office/drawing/2014/main" id="{47BE7A8F-A1C7-4C7A-98EC-41508716A246}"/>
+              </a:ext>
+            </a:extLst>
+          </p:cNvPr>
+          <p:cNvSpPr/>
+          <p:nvPr/>
+        </p:nvSpPr>
+        <p:spPr>
+          <a:xfrm>
+            <a:off x="1063194" y="5168863"/>
+            <a:ext cx="2924583" cy="923330"/>
+          </a:xfrm>
+          <a:prstGeom prst="rect">
+            <a:avLst/>
+          </a:prstGeom>
+        </p:spPr>
+        <p:txBody>
+          <a:bodyPr wrap="none">
+            <a:spAutoFit/>
+          </a:bodyPr>
+          <a:lstStyle>
+            <a:defPPr>
+              <a:defRPr lang="ru-RU"/>
+            </a:defPPr>
+            <a:lvl1pPr marL="0" algn="l" defTabSz="914400" rtl="0" eaLnBrk="1" latinLnBrk="0" hangingPunct="1">
+              <a:defRPr sz="1800" kern="1200">
+                <a:solidFill>
+                  <a:schemeClr val="tx1"/>
+                </a:solidFill>
+                <a:latin typeface="+mn-lt"/>
+                <a:ea typeface="+mn-ea"/>
+                <a:cs typeface="+mn-cs"/>
+              </a:defRPr>
+            </a:lvl1pPr>
+            <a:lvl2pPr marL="457200" algn="l" defTabSz="914400" rtl="0" eaLnBrk="1" latinLnBrk="0" hangingPunct="1">
+              <a:defRPr sz="1800" kern="1200">
+                <a:solidFill>
+                  <a:schemeClr val="tx1"/>
+                </a:solidFill>
+                <a:latin typeface="+mn-lt"/>
+                <a:ea typeface="+mn-ea"/>
+                <a:cs typeface="+mn-cs"/>
+              </a:defRPr>
+            </a:lvl2pPr>
+            <a:lvl3pPr marL="914400" algn="l" defTabSz="914400" rtl="0" eaLnBrk="1" latinLnBrk="0" hangingPunct="1">
+              <a:defRPr sz="1800" kern="1200">
+                <a:solidFill>
+                  <a:schemeClr val="tx1"/>
+                </a:solidFill>
+                <a:latin typeface="+mn-lt"/>
+                <a:ea typeface="+mn-ea"/>
+                <a:cs typeface="+mn-cs"/>
+              </a:defRPr>
+            </a:lvl3pPr>
+            <a:lvl4pPr marL="1371600" algn="l" defTabSz="914400" rtl="0" eaLnBrk="1" latinLnBrk="0" hangingPunct="1">
+              <a:defRPr sz="1800" kern="1200">
+                <a:solidFill>
+                  <a:schemeClr val="tx1"/>
+                </a:solidFill>
+                <a:latin typeface="+mn-lt"/>
+                <a:ea typeface="+mn-ea"/>
+                <a:cs typeface="+mn-cs"/>
+              </a:defRPr>
+            </a:lvl4pPr>
+            <a:lvl5pPr marL="1828800" algn="l" defTabSz="914400" rtl="0" eaLnBrk="1" latinLnBrk="0" hangingPunct="1">
+              <a:defRPr sz="1800" kern="1200">
+                <a:solidFill>
+                  <a:schemeClr val="tx1"/>
+                </a:solidFill>
+                <a:latin typeface="+mn-lt"/>
+                <a:ea typeface="+mn-ea"/>
+                <a:cs typeface="+mn-cs"/>
+              </a:defRPr>
+            </a:lvl5pPr>
+            <a:lvl6pPr marL="2286000" algn="l" defTabSz="914400" rtl="0" eaLnBrk="1" latinLnBrk="0" hangingPunct="1">
+              <a:defRPr sz="1800" kern="1200">
+                <a:solidFill>
+                  <a:schemeClr val="tx1"/>
+                </a:solidFill>
+                <a:latin typeface="+mn-lt"/>
+                <a:ea typeface="+mn-ea"/>
+                <a:cs typeface="+mn-cs"/>
+              </a:defRPr>
+            </a:lvl6pPr>
+            <a:lvl7pPr marL="2743200" algn="l" defTabSz="914400" rtl="0" eaLnBrk="1" latinLnBrk="0" hangingPunct="1">
+              <a:defRPr sz="1800" kern="1200">
+                <a:solidFill>
+                  <a:schemeClr val="tx1"/>
+                </a:solidFill>
+                <a:latin typeface="+mn-lt"/>
+                <a:ea typeface="+mn-ea"/>
+                <a:cs typeface="+mn-cs"/>
+              </a:defRPr>
+            </a:lvl7pPr>
+            <a:lvl8pPr marL="3200400" algn="l" defTabSz="914400" rtl="0" eaLnBrk="1" latinLnBrk="0" hangingPunct="1">
+              <a:defRPr sz="1800" kern="1200">
+                <a:solidFill>
+                  <a:schemeClr val="tx1"/>
+                </a:solidFill>
+                <a:latin typeface="+mn-lt"/>
+                <a:ea typeface="+mn-ea"/>
+                <a:cs typeface="+mn-cs"/>
+              </a:defRPr>
+            </a:lvl8pPr>
+            <a:lvl9pPr marL="3657600" algn="l" defTabSz="914400" rtl="0" eaLnBrk="1" latinLnBrk="0" hangingPunct="1">
+              <a:defRPr sz="1800" kern="1200">
+                <a:solidFill>
+                  <a:schemeClr val="tx1"/>
+                </a:solidFill>
+                <a:latin typeface="+mn-lt"/>
+                <a:ea typeface="+mn-ea"/>
+                <a:cs typeface="+mn-cs"/>
+              </a:defRPr>
+            </a:lvl9pPr>
+          </a:lstStyle>
+          <a:p>
+            <a:r>
+              <a:rPr lang="ru-RU" b="1" dirty="0">
+                <a:solidFill>
+                  <a:schemeClr val="bg1"/>
+                </a:solidFill>
+                <a:latin typeface="Arial" panose="020B0604020202020204" pitchFamily="34" charset="0"/>
+                <a:cs typeface="Arial" panose="020B0604020202020204" pitchFamily="34" charset="0"/>
+              </a:rPr>
+              <a:t>Фамилия Имя Отчество</a:t>
+            </a:r>
+          </a:p>
+          <a:p>
+            <a:r>
+              <a:rPr lang="ru-RU" dirty="0">
+                <a:solidFill>
+                  <a:schemeClr val="bg1"/>
+                </a:solidFill>
+                <a:latin typeface="Arial" panose="020B0604020202020204" pitchFamily="34" charset="0"/>
+                <a:cs typeface="Arial" panose="020B0604020202020204" pitchFamily="34" charset="0"/>
+              </a:rPr>
+              <a:t>должность</a:t>
+            </a:r>
+            <a:br>
+              <a:rPr lang="en-US" dirty="0">
+                <a:solidFill>
+                  <a:schemeClr val="bg1"/>
+                </a:solidFill>
+                <a:latin typeface="Arial" panose="020B0604020202020204" pitchFamily="34" charset="0"/>
+                <a:cs typeface="Arial" panose="020B0604020202020204" pitchFamily="34" charset="0"/>
+              </a:rPr>
+            </a:br>
+            <a:r>
+              <a:rPr lang="ru-RU" dirty="0">
+                <a:solidFill>
+                  <a:schemeClr val="bg1"/>
+                </a:solidFill>
+                <a:latin typeface="Arial" panose="020B0604020202020204" pitchFamily="34" charset="0"/>
+                <a:cs typeface="Arial" panose="020B0604020202020204" pitchFamily="34" charset="0"/>
+              </a:rPr>
+              <a:t>контакты</a:t>
+            </a:r>
           </a:p>
         </p:txBody>
       </p:sp>
